--- a/LawnBuddy.pptx
+++ b/LawnBuddy.pptx
@@ -6,13 +6,12 @@
   </p:sldMasterIdLst>
   <p:sldIdLst>
     <p:sldId id="256" r:id="rId2"/>
-    <p:sldId id="262" r:id="rId3"/>
-    <p:sldId id="257" r:id="rId4"/>
-    <p:sldId id="258" r:id="rId5"/>
-    <p:sldId id="259" r:id="rId6"/>
-    <p:sldId id="261" r:id="rId7"/>
-    <p:sldId id="260" r:id="rId8"/>
-    <p:sldId id="263" r:id="rId9"/>
+    <p:sldId id="257" r:id="rId3"/>
+    <p:sldId id="258" r:id="rId4"/>
+    <p:sldId id="259" r:id="rId5"/>
+    <p:sldId id="261" r:id="rId6"/>
+    <p:sldId id="260" r:id="rId7"/>
+    <p:sldId id="263" r:id="rId8"/>
   </p:sldIdLst>
   <p:sldSz cx="12192000" cy="6858000"/>
   <p:notesSz cx="6858000" cy="9144000"/>
@@ -697,7 +696,7 @@
           </a:lstStyle>
           <a:p>
             <a:r>
-              <a:rPr lang="en-US" smtClean="0"/>
+              <a:rPr lang="en-US"/>
               <a:t>Click to edit Master title style</a:t>
             </a:r>
             <a:endParaRPr lang="en-US" dirty="0"/>
@@ -817,7 +816,7 @@
           </a:lstStyle>
           <a:p>
             <a:r>
-              <a:rPr lang="en-US" smtClean="0"/>
+              <a:rPr lang="en-US"/>
               <a:t>Click to edit Master subtitle style</a:t>
             </a:r>
             <a:endParaRPr lang="en-US" dirty="0"/>
@@ -841,7 +840,7 @@
           <a:p>
             <a:fld id="{CB9AA49F-D09B-4AC2-8640-F20EF8E9B43D}" type="datetimeFigureOut">
               <a:rPr lang="en-US" smtClean="0"/>
-              <a:t>10/26/2016</a:t>
+              <a:t>12/7/2016</a:t>
             </a:fld>
             <a:endParaRPr lang="en-US"/>
           </a:p>
@@ -946,7 +945,7 @@
           </a:lstStyle>
           <a:p>
             <a:r>
-              <a:rPr lang="en-US" smtClean="0"/>
+              <a:rPr lang="en-US"/>
               <a:t>Click to edit Master title style</a:t>
             </a:r>
             <a:endParaRPr lang="en-US" dirty="0"/>
@@ -1069,7 +1068,7 @@
           <a:p>
             <a:pPr lvl="0"/>
             <a:r>
-              <a:rPr lang="en-US" smtClean="0"/>
+              <a:rPr lang="en-US"/>
               <a:t>Edit Master text styles</a:t>
             </a:r>
           </a:p>
@@ -1092,7 +1091,7 @@
           <a:p>
             <a:fld id="{CB9AA49F-D09B-4AC2-8640-F20EF8E9B43D}" type="datetimeFigureOut">
               <a:rPr lang="en-US" smtClean="0"/>
-              <a:t>10/26/2016</a:t>
+              <a:t>12/7/2016</a:t>
             </a:fld>
             <a:endParaRPr lang="en-US"/>
           </a:p>
@@ -1197,7 +1196,7 @@
           </a:lstStyle>
           <a:p>
             <a:r>
-              <a:rPr lang="en-US" smtClean="0"/>
+              <a:rPr lang="en-US"/>
               <a:t>Click to edit Master title style</a:t>
             </a:r>
             <a:endParaRPr lang="en-US" dirty="0"/>
@@ -1261,7 +1260,7 @@
           <a:p>
             <a:pPr lvl="0"/>
             <a:r>
-              <a:rPr lang="en-US" smtClean="0"/>
+              <a:rPr lang="en-US"/>
               <a:t>Edit Master text styles</a:t>
             </a:r>
           </a:p>
@@ -1383,7 +1382,7 @@
           <a:p>
             <a:pPr lvl="0"/>
             <a:r>
-              <a:rPr lang="en-US" smtClean="0"/>
+              <a:rPr lang="en-US"/>
               <a:t>Edit Master text styles</a:t>
             </a:r>
           </a:p>
@@ -1406,7 +1405,7 @@
           <a:p>
             <a:fld id="{CB9AA49F-D09B-4AC2-8640-F20EF8E9B43D}" type="datetimeFigureOut">
               <a:rPr lang="en-US" smtClean="0"/>
-              <a:t>10/26/2016</a:t>
+              <a:t>12/7/2016</a:t>
             </a:fld>
             <a:endParaRPr lang="en-US"/>
           </a:p>
@@ -1601,7 +1600,7 @@
           </a:lstStyle>
           <a:p>
             <a:r>
-              <a:rPr lang="en-US" smtClean="0"/>
+              <a:rPr lang="en-US"/>
               <a:t>Click to edit Master title style</a:t>
             </a:r>
             <a:endParaRPr lang="en-US" dirty="0"/>
@@ -1724,7 +1723,7 @@
           <a:p>
             <a:pPr lvl="0"/>
             <a:r>
-              <a:rPr lang="en-US" smtClean="0"/>
+              <a:rPr lang="en-US"/>
               <a:t>Edit Master text styles</a:t>
             </a:r>
           </a:p>
@@ -1747,7 +1746,7 @@
           <a:p>
             <a:fld id="{CB9AA49F-D09B-4AC2-8640-F20EF8E9B43D}" type="datetimeFigureOut">
               <a:rPr lang="en-US" smtClean="0"/>
-              <a:t>10/26/2016</a:t>
+              <a:t>12/7/2016</a:t>
             </a:fld>
             <a:endParaRPr lang="en-US"/>
           </a:p>
@@ -1852,7 +1851,7 @@
           </a:lstStyle>
           <a:p>
             <a:r>
-              <a:rPr lang="en-US" smtClean="0"/>
+              <a:rPr lang="en-US"/>
               <a:t>Click to edit Master title style</a:t>
             </a:r>
             <a:endParaRPr lang="en-US" dirty="0"/>
@@ -1916,7 +1915,7 @@
           <a:p>
             <a:pPr lvl="0"/>
             <a:r>
-              <a:rPr lang="en-US" smtClean="0"/>
+              <a:rPr lang="en-US"/>
               <a:t>Edit Master text styles</a:t>
             </a:r>
           </a:p>
@@ -2038,7 +2037,7 @@
           <a:p>
             <a:pPr lvl="0"/>
             <a:r>
-              <a:rPr lang="en-US" smtClean="0"/>
+              <a:rPr lang="en-US"/>
               <a:t>Edit Master text styles</a:t>
             </a:r>
           </a:p>
@@ -2061,7 +2060,7 @@
           <a:p>
             <a:fld id="{CB9AA49F-D09B-4AC2-8640-F20EF8E9B43D}" type="datetimeFigureOut">
               <a:rPr lang="en-US" smtClean="0"/>
-              <a:t>10/26/2016</a:t>
+              <a:t>12/7/2016</a:t>
             </a:fld>
             <a:endParaRPr lang="en-US"/>
           </a:p>
@@ -2248,7 +2247,7 @@
           </a:lstStyle>
           <a:p>
             <a:r>
-              <a:rPr lang="en-US" smtClean="0"/>
+              <a:rPr lang="en-US"/>
               <a:t>Click to edit Master title style</a:t>
             </a:r>
             <a:endParaRPr lang="en-US" dirty="0"/>
@@ -2309,7 +2308,7 @@
           <a:p>
             <a:pPr lvl="0"/>
             <a:r>
-              <a:rPr lang="en-US" smtClean="0"/>
+              <a:rPr lang="en-US"/>
               <a:t>Edit Master text styles</a:t>
             </a:r>
           </a:p>
@@ -2431,7 +2430,7 @@
           <a:p>
             <a:pPr lvl="0"/>
             <a:r>
-              <a:rPr lang="en-US" smtClean="0"/>
+              <a:rPr lang="en-US"/>
               <a:t>Edit Master text styles</a:t>
             </a:r>
           </a:p>
@@ -2454,7 +2453,7 @@
           <a:p>
             <a:fld id="{CB9AA49F-D09B-4AC2-8640-F20EF8E9B43D}" type="datetimeFigureOut">
               <a:rPr lang="en-US" smtClean="0"/>
-              <a:t>10/26/2016</a:t>
+              <a:t>12/7/2016</a:t>
             </a:fld>
             <a:endParaRPr lang="en-US"/>
           </a:p>
@@ -2548,7 +2547,7 @@
           <a:lstStyle/>
           <a:p>
             <a:r>
-              <a:rPr lang="en-US" smtClean="0"/>
+              <a:rPr lang="en-US"/>
               <a:t>Click to edit Master title style</a:t>
             </a:r>
             <a:endParaRPr lang="en-US" dirty="0"/>
@@ -2572,35 +2571,35 @@
           <a:p>
             <a:pPr lvl="0"/>
             <a:r>
-              <a:rPr lang="en-US" smtClean="0"/>
+              <a:rPr lang="en-US"/>
               <a:t>Edit Master text styles</a:t>
             </a:r>
           </a:p>
           <a:p>
             <a:pPr lvl="1"/>
             <a:r>
-              <a:rPr lang="en-US" smtClean="0"/>
+              <a:rPr lang="en-US"/>
               <a:t>Second level</a:t>
             </a:r>
           </a:p>
           <a:p>
             <a:pPr lvl="2"/>
             <a:r>
-              <a:rPr lang="en-US" smtClean="0"/>
+              <a:rPr lang="en-US"/>
               <a:t>Third level</a:t>
             </a:r>
           </a:p>
           <a:p>
             <a:pPr lvl="3"/>
             <a:r>
-              <a:rPr lang="en-US" smtClean="0"/>
+              <a:rPr lang="en-US"/>
               <a:t>Fourth level</a:t>
             </a:r>
           </a:p>
           <a:p>
             <a:pPr lvl="4"/>
             <a:r>
-              <a:rPr lang="en-US" smtClean="0"/>
+              <a:rPr lang="en-US"/>
               <a:t>Fifth level</a:t>
             </a:r>
             <a:endParaRPr lang="en-US" dirty="0"/>
@@ -2624,7 +2623,7 @@
           <a:p>
             <a:fld id="{CB9AA49F-D09B-4AC2-8640-F20EF8E9B43D}" type="datetimeFigureOut">
               <a:rPr lang="en-US" smtClean="0"/>
-              <a:t>10/26/2016</a:t>
+              <a:t>12/7/2016</a:t>
             </a:fld>
             <a:endParaRPr lang="en-US"/>
           </a:p>
@@ -2723,7 +2722,7 @@
           <a:lstStyle/>
           <a:p>
             <a:r>
-              <a:rPr lang="en-US" smtClean="0"/>
+              <a:rPr lang="en-US"/>
               <a:t>Click to edit Master title style</a:t>
             </a:r>
             <a:endParaRPr lang="en-US" dirty="0"/>
@@ -2752,35 +2751,35 @@
           <a:p>
             <a:pPr lvl="0"/>
             <a:r>
-              <a:rPr lang="en-US" smtClean="0"/>
+              <a:rPr lang="en-US"/>
               <a:t>Edit Master text styles</a:t>
             </a:r>
           </a:p>
           <a:p>
             <a:pPr lvl="1"/>
             <a:r>
-              <a:rPr lang="en-US" smtClean="0"/>
+              <a:rPr lang="en-US"/>
               <a:t>Second level</a:t>
             </a:r>
           </a:p>
           <a:p>
             <a:pPr lvl="2"/>
             <a:r>
-              <a:rPr lang="en-US" smtClean="0"/>
+              <a:rPr lang="en-US"/>
               <a:t>Third level</a:t>
             </a:r>
           </a:p>
           <a:p>
             <a:pPr lvl="3"/>
             <a:r>
-              <a:rPr lang="en-US" smtClean="0"/>
+              <a:rPr lang="en-US"/>
               <a:t>Fourth level</a:t>
             </a:r>
           </a:p>
           <a:p>
             <a:pPr lvl="4"/>
             <a:r>
-              <a:rPr lang="en-US" smtClean="0"/>
+              <a:rPr lang="en-US"/>
               <a:t>Fifth level</a:t>
             </a:r>
             <a:endParaRPr lang="en-US" dirty="0"/>
@@ -2804,7 +2803,7 @@
           <a:p>
             <a:fld id="{CB9AA49F-D09B-4AC2-8640-F20EF8E9B43D}" type="datetimeFigureOut">
               <a:rPr lang="en-US" smtClean="0"/>
-              <a:t>10/26/2016</a:t>
+              <a:t>12/7/2016</a:t>
             </a:fld>
             <a:endParaRPr lang="en-US"/>
           </a:p>
@@ -2904,7 +2903,7 @@
           </a:lstStyle>
           <a:p>
             <a:r>
-              <a:rPr lang="en-US" smtClean="0"/>
+              <a:rPr lang="en-US"/>
               <a:t>Click to edit Master title style</a:t>
             </a:r>
             <a:endParaRPr lang="en-US" dirty="0"/>
@@ -2928,35 +2927,35 @@
           <a:p>
             <a:pPr lvl="0"/>
             <a:r>
-              <a:rPr lang="en-US" smtClean="0"/>
+              <a:rPr lang="en-US"/>
               <a:t>Edit Master text styles</a:t>
             </a:r>
           </a:p>
           <a:p>
             <a:pPr lvl="1"/>
             <a:r>
-              <a:rPr lang="en-US" smtClean="0"/>
+              <a:rPr lang="en-US"/>
               <a:t>Second level</a:t>
             </a:r>
           </a:p>
           <a:p>
             <a:pPr lvl="2"/>
             <a:r>
-              <a:rPr lang="en-US" smtClean="0"/>
+              <a:rPr lang="en-US"/>
               <a:t>Third level</a:t>
             </a:r>
           </a:p>
           <a:p>
             <a:pPr lvl="3"/>
             <a:r>
-              <a:rPr lang="en-US" smtClean="0"/>
+              <a:rPr lang="en-US"/>
               <a:t>Fourth level</a:t>
             </a:r>
           </a:p>
           <a:p>
             <a:pPr lvl="4"/>
             <a:r>
-              <a:rPr lang="en-US" smtClean="0"/>
+              <a:rPr lang="en-US"/>
               <a:t>Fifth level</a:t>
             </a:r>
             <a:endParaRPr lang="en-US" dirty="0"/>
@@ -2980,7 +2979,7 @@
           <a:p>
             <a:fld id="{CB9AA49F-D09B-4AC2-8640-F20EF8E9B43D}" type="datetimeFigureOut">
               <a:rPr lang="en-US" smtClean="0"/>
-              <a:t>10/26/2016</a:t>
+              <a:t>12/7/2016</a:t>
             </a:fld>
             <a:endParaRPr lang="en-US"/>
           </a:p>
@@ -3083,7 +3082,7 @@
           </a:lstStyle>
           <a:p>
             <a:r>
-              <a:rPr lang="en-US" smtClean="0"/>
+              <a:rPr lang="en-US"/>
               <a:t>Click to edit Master title style</a:t>
             </a:r>
             <a:endParaRPr lang="en-US" dirty="0"/>
@@ -3204,7 +3203,7 @@
           <a:p>
             <a:pPr lvl="0"/>
             <a:r>
-              <a:rPr lang="en-US" smtClean="0"/>
+              <a:rPr lang="en-US"/>
               <a:t>Edit Master text styles</a:t>
             </a:r>
           </a:p>
@@ -3227,7 +3226,7 @@
           <a:p>
             <a:fld id="{CB9AA49F-D09B-4AC2-8640-F20EF8E9B43D}" type="datetimeFigureOut">
               <a:rPr lang="en-US" smtClean="0"/>
-              <a:t>10/26/2016</a:t>
+              <a:t>12/7/2016</a:t>
             </a:fld>
             <a:endParaRPr lang="en-US"/>
           </a:p>
@@ -3321,7 +3320,7 @@
           <a:lstStyle/>
           <a:p>
             <a:r>
-              <a:rPr lang="en-US" smtClean="0"/>
+              <a:rPr lang="en-US"/>
               <a:t>Click to edit Master title style</a:t>
             </a:r>
             <a:endParaRPr lang="en-US" dirty="0"/>
@@ -3350,35 +3349,35 @@
           <a:p>
             <a:pPr lvl="0"/>
             <a:r>
-              <a:rPr lang="en-US" smtClean="0"/>
+              <a:rPr lang="en-US"/>
               <a:t>Edit Master text styles</a:t>
             </a:r>
           </a:p>
           <a:p>
             <a:pPr lvl="1"/>
             <a:r>
-              <a:rPr lang="en-US" smtClean="0"/>
+              <a:rPr lang="en-US"/>
               <a:t>Second level</a:t>
             </a:r>
           </a:p>
           <a:p>
             <a:pPr lvl="2"/>
             <a:r>
-              <a:rPr lang="en-US" smtClean="0"/>
+              <a:rPr lang="en-US"/>
               <a:t>Third level</a:t>
             </a:r>
           </a:p>
           <a:p>
             <a:pPr lvl="3"/>
             <a:r>
-              <a:rPr lang="en-US" smtClean="0"/>
+              <a:rPr lang="en-US"/>
               <a:t>Fourth level</a:t>
             </a:r>
           </a:p>
           <a:p>
             <a:pPr lvl="4"/>
             <a:r>
-              <a:rPr lang="en-US" smtClean="0"/>
+              <a:rPr lang="en-US"/>
               <a:t>Fifth level</a:t>
             </a:r>
             <a:endParaRPr lang="en-US" dirty="0"/>
@@ -3407,35 +3406,35 @@
           <a:p>
             <a:pPr lvl="0"/>
             <a:r>
-              <a:rPr lang="en-US" smtClean="0"/>
+              <a:rPr lang="en-US"/>
               <a:t>Edit Master text styles</a:t>
             </a:r>
           </a:p>
           <a:p>
             <a:pPr lvl="1"/>
             <a:r>
-              <a:rPr lang="en-US" smtClean="0"/>
+              <a:rPr lang="en-US"/>
               <a:t>Second level</a:t>
             </a:r>
           </a:p>
           <a:p>
             <a:pPr lvl="2"/>
             <a:r>
-              <a:rPr lang="en-US" smtClean="0"/>
+              <a:rPr lang="en-US"/>
               <a:t>Third level</a:t>
             </a:r>
           </a:p>
           <a:p>
             <a:pPr lvl="3"/>
             <a:r>
-              <a:rPr lang="en-US" smtClean="0"/>
+              <a:rPr lang="en-US"/>
               <a:t>Fourth level</a:t>
             </a:r>
           </a:p>
           <a:p>
             <a:pPr lvl="4"/>
             <a:r>
-              <a:rPr lang="en-US" smtClean="0"/>
+              <a:rPr lang="en-US"/>
               <a:t>Fifth level</a:t>
             </a:r>
             <a:endParaRPr lang="en-US" dirty="0"/>
@@ -3459,7 +3458,7 @@
           <a:p>
             <a:fld id="{CB9AA49F-D09B-4AC2-8640-F20EF8E9B43D}" type="datetimeFigureOut">
               <a:rPr lang="en-US" smtClean="0"/>
-              <a:t>10/26/2016</a:t>
+              <a:t>12/7/2016</a:t>
             </a:fld>
             <a:endParaRPr lang="en-US"/>
           </a:p>
@@ -3557,7 +3556,7 @@
           </a:lstStyle>
           <a:p>
             <a:r>
-              <a:rPr lang="en-US" smtClean="0"/>
+              <a:rPr lang="en-US"/>
               <a:t>Click to edit Master title style</a:t>
             </a:r>
             <a:endParaRPr lang="en-US" dirty="0"/>
@@ -3625,7 +3624,7 @@
           <a:p>
             <a:pPr lvl="0"/>
             <a:r>
-              <a:rPr lang="en-US" smtClean="0"/>
+              <a:rPr lang="en-US"/>
               <a:t>Edit Master text styles</a:t>
             </a:r>
           </a:p>
@@ -3655,35 +3654,35 @@
           <a:p>
             <a:pPr lvl="0"/>
             <a:r>
-              <a:rPr lang="en-US" smtClean="0"/>
+              <a:rPr lang="en-US"/>
               <a:t>Edit Master text styles</a:t>
             </a:r>
           </a:p>
           <a:p>
             <a:pPr lvl="1"/>
             <a:r>
-              <a:rPr lang="en-US" smtClean="0"/>
+              <a:rPr lang="en-US"/>
               <a:t>Second level</a:t>
             </a:r>
           </a:p>
           <a:p>
             <a:pPr lvl="2"/>
             <a:r>
-              <a:rPr lang="en-US" smtClean="0"/>
+              <a:rPr lang="en-US"/>
               <a:t>Third level</a:t>
             </a:r>
           </a:p>
           <a:p>
             <a:pPr lvl="3"/>
             <a:r>
-              <a:rPr lang="en-US" smtClean="0"/>
+              <a:rPr lang="en-US"/>
               <a:t>Fourth level</a:t>
             </a:r>
           </a:p>
           <a:p>
             <a:pPr lvl="4"/>
             <a:r>
-              <a:rPr lang="en-US" smtClean="0"/>
+              <a:rPr lang="en-US"/>
               <a:t>Fifth level</a:t>
             </a:r>
             <a:endParaRPr lang="en-US" dirty="0"/>
@@ -3751,7 +3750,7 @@
           <a:p>
             <a:pPr lvl="0"/>
             <a:r>
-              <a:rPr lang="en-US" smtClean="0"/>
+              <a:rPr lang="en-US"/>
               <a:t>Edit Master text styles</a:t>
             </a:r>
           </a:p>
@@ -3781,35 +3780,35 @@
           <a:p>
             <a:pPr lvl="0"/>
             <a:r>
-              <a:rPr lang="en-US" smtClean="0"/>
+              <a:rPr lang="en-US"/>
               <a:t>Edit Master text styles</a:t>
             </a:r>
           </a:p>
           <a:p>
             <a:pPr lvl="1"/>
             <a:r>
-              <a:rPr lang="en-US" smtClean="0"/>
+              <a:rPr lang="en-US"/>
               <a:t>Second level</a:t>
             </a:r>
           </a:p>
           <a:p>
             <a:pPr lvl="2"/>
             <a:r>
-              <a:rPr lang="en-US" smtClean="0"/>
+              <a:rPr lang="en-US"/>
               <a:t>Third level</a:t>
             </a:r>
           </a:p>
           <a:p>
             <a:pPr lvl="3"/>
             <a:r>
-              <a:rPr lang="en-US" smtClean="0"/>
+              <a:rPr lang="en-US"/>
               <a:t>Fourth level</a:t>
             </a:r>
           </a:p>
           <a:p>
             <a:pPr lvl="4"/>
             <a:r>
-              <a:rPr lang="en-US" smtClean="0"/>
+              <a:rPr lang="en-US"/>
               <a:t>Fifth level</a:t>
             </a:r>
             <a:endParaRPr lang="en-US" dirty="0"/>
@@ -3833,7 +3832,7 @@
           <a:p>
             <a:fld id="{CB9AA49F-D09B-4AC2-8640-F20EF8E9B43D}" type="datetimeFigureOut">
               <a:rPr lang="en-US" smtClean="0"/>
-              <a:t>10/26/2016</a:t>
+              <a:t>12/7/2016</a:t>
             </a:fld>
             <a:endParaRPr lang="en-US"/>
           </a:p>
@@ -3932,7 +3931,7 @@
           <a:lstStyle/>
           <a:p>
             <a:r>
-              <a:rPr lang="en-US" smtClean="0"/>
+              <a:rPr lang="en-US"/>
               <a:t>Click to edit Master title style</a:t>
             </a:r>
             <a:endParaRPr lang="en-US" dirty="0"/>
@@ -3956,7 +3955,7 @@
           <a:p>
             <a:fld id="{CB9AA49F-D09B-4AC2-8640-F20EF8E9B43D}" type="datetimeFigureOut">
               <a:rPr lang="en-US" smtClean="0"/>
-              <a:t>10/26/2016</a:t>
+              <a:t>12/7/2016</a:t>
             </a:fld>
             <a:endParaRPr lang="en-US"/>
           </a:p>
@@ -4051,7 +4050,7 @@
           <a:p>
             <a:fld id="{CB9AA49F-D09B-4AC2-8640-F20EF8E9B43D}" type="datetimeFigureOut">
               <a:rPr lang="en-US" smtClean="0"/>
-              <a:t>10/26/2016</a:t>
+              <a:t>12/7/2016</a:t>
             </a:fld>
             <a:endParaRPr lang="en-US"/>
           </a:p>
@@ -4156,7 +4155,7 @@
           </a:lstStyle>
           <a:p>
             <a:r>
-              <a:rPr lang="en-US" smtClean="0"/>
+              <a:rPr lang="en-US"/>
               <a:t>Click to edit Master title style</a:t>
             </a:r>
             <a:endParaRPr lang="en-US" dirty="0"/>
@@ -4187,35 +4186,35 @@
           <a:p>
             <a:pPr lvl="0"/>
             <a:r>
-              <a:rPr lang="en-US" smtClean="0"/>
+              <a:rPr lang="en-US"/>
               <a:t>Edit Master text styles</a:t>
             </a:r>
           </a:p>
           <a:p>
             <a:pPr lvl="1"/>
             <a:r>
-              <a:rPr lang="en-US" smtClean="0"/>
+              <a:rPr lang="en-US"/>
               <a:t>Second level</a:t>
             </a:r>
           </a:p>
           <a:p>
             <a:pPr lvl="2"/>
             <a:r>
-              <a:rPr lang="en-US" smtClean="0"/>
+              <a:rPr lang="en-US"/>
               <a:t>Third level</a:t>
             </a:r>
           </a:p>
           <a:p>
             <a:pPr lvl="3"/>
             <a:r>
-              <a:rPr lang="en-US" smtClean="0"/>
+              <a:rPr lang="en-US"/>
               <a:t>Fourth level</a:t>
             </a:r>
           </a:p>
           <a:p>
             <a:pPr lvl="4"/>
             <a:r>
-              <a:rPr lang="en-US" smtClean="0"/>
+              <a:rPr lang="en-US"/>
               <a:t>Fifth level</a:t>
             </a:r>
             <a:endParaRPr lang="en-US" dirty="0"/>
@@ -4283,7 +4282,7 @@
           <a:p>
             <a:pPr lvl="0"/>
             <a:r>
-              <a:rPr lang="en-US" smtClean="0"/>
+              <a:rPr lang="en-US"/>
               <a:t>Edit Master text styles</a:t>
             </a:r>
           </a:p>
@@ -4306,7 +4305,7 @@
           <a:p>
             <a:fld id="{CB9AA49F-D09B-4AC2-8640-F20EF8E9B43D}" type="datetimeFigureOut">
               <a:rPr lang="en-US" smtClean="0"/>
-              <a:t>10/26/2016</a:t>
+              <a:t>12/7/2016</a:t>
             </a:fld>
             <a:endParaRPr lang="en-US"/>
           </a:p>
@@ -4411,7 +4410,7 @@
           </a:lstStyle>
           <a:p>
             <a:r>
-              <a:rPr lang="en-US" smtClean="0"/>
+              <a:rPr lang="en-US"/>
               <a:t>Click to edit Master title style</a:t>
             </a:r>
             <a:endParaRPr lang="en-US" dirty="0"/>
@@ -4478,7 +4477,7 @@
           </a:lstStyle>
           <a:p>
             <a:r>
-              <a:rPr lang="en-US" smtClean="0"/>
+              <a:rPr lang="en-US"/>
               <a:t>Click icon to add picture</a:t>
             </a:r>
             <a:endParaRPr lang="en-US" dirty="0"/>
@@ -4546,7 +4545,7 @@
           <a:p>
             <a:pPr lvl="0"/>
             <a:r>
-              <a:rPr lang="en-US" smtClean="0"/>
+              <a:rPr lang="en-US"/>
               <a:t>Edit Master text styles</a:t>
             </a:r>
           </a:p>
@@ -4569,7 +4568,7 @@
           <a:p>
             <a:fld id="{CB9AA49F-D09B-4AC2-8640-F20EF8E9B43D}" type="datetimeFigureOut">
               <a:rPr lang="en-US" smtClean="0"/>
-              <a:t>10/26/2016</a:t>
+              <a:t>12/7/2016</a:t>
             </a:fld>
             <a:endParaRPr lang="en-US"/>
           </a:p>
@@ -5208,7 +5207,7 @@
           <a:lstStyle/>
           <a:p>
             <a:r>
-              <a:rPr lang="en-US" smtClean="0"/>
+              <a:rPr lang="en-US"/>
               <a:t>Click to edit Master title style</a:t>
             </a:r>
             <a:endParaRPr lang="en-US" dirty="0"/>
@@ -5242,35 +5241,35 @@
           <a:p>
             <a:pPr lvl="0"/>
             <a:r>
-              <a:rPr lang="en-US" smtClean="0"/>
+              <a:rPr lang="en-US"/>
               <a:t>Edit Master text styles</a:t>
             </a:r>
           </a:p>
           <a:p>
             <a:pPr lvl="1"/>
             <a:r>
-              <a:rPr lang="en-US" smtClean="0"/>
+              <a:rPr lang="en-US"/>
               <a:t>Second level</a:t>
             </a:r>
           </a:p>
           <a:p>
             <a:pPr lvl="2"/>
             <a:r>
-              <a:rPr lang="en-US" smtClean="0"/>
+              <a:rPr lang="en-US"/>
               <a:t>Third level</a:t>
             </a:r>
           </a:p>
           <a:p>
             <a:pPr lvl="3"/>
             <a:r>
-              <a:rPr lang="en-US" smtClean="0"/>
+              <a:rPr lang="en-US"/>
               <a:t>Fourth level</a:t>
             </a:r>
           </a:p>
           <a:p>
             <a:pPr lvl="4"/>
             <a:r>
-              <a:rPr lang="en-US" smtClean="0"/>
+              <a:rPr lang="en-US"/>
               <a:t>Fifth level</a:t>
             </a:r>
             <a:endParaRPr lang="en-US" dirty="0"/>
@@ -5312,7 +5311,7 @@
           <a:p>
             <a:fld id="{CB9AA49F-D09B-4AC2-8640-F20EF8E9B43D}" type="datetimeFigureOut">
               <a:rPr lang="en-US" smtClean="0"/>
-              <a:t>10/26/2016</a:t>
+              <a:t>12/7/2016</a:t>
             </a:fld>
             <a:endParaRPr lang="en-US"/>
           </a:p>
@@ -5852,7 +5851,7 @@
           <a:lstStyle/>
           <a:p>
             <a:r>
-              <a:rPr lang="en-US" dirty="0" err="1" smtClean="0"/>
+              <a:rPr lang="en-US" dirty="0" err="1"/>
               <a:t>LawnBuddy</a:t>
             </a:r>
             <a:endParaRPr lang="en-US" dirty="0"/>
@@ -5882,20 +5881,15 @@
           <a:lstStyle/>
           <a:p>
             <a:r>
-              <a:rPr lang="en-US" dirty="0" smtClean="0"/>
+              <a:rPr lang="en-US" dirty="0"/>
               <a:t>Charles Patterson</a:t>
             </a:r>
           </a:p>
           <a:p>
             <a:r>
-              <a:rPr lang="en-US" dirty="0" smtClean="0"/>
-              <a:t>Temple </a:t>
-            </a:r>
-            <a:r>
-              <a:rPr lang="en-US" dirty="0" smtClean="0"/>
-              <a:t>University</a:t>
-            </a:r>
-            <a:endParaRPr lang="en-US" dirty="0" smtClean="0"/>
+              <a:rPr lang="en-US" dirty="0"/>
+              <a:t>Temple University</a:t>
+            </a:r>
           </a:p>
         </p:txBody>
       </p:sp>
@@ -5945,51 +5939,20 @@
           <a:lstStyle/>
           <a:p>
             <a:r>
-              <a:rPr lang="en-US" dirty="0" smtClean="0"/>
-              <a:t>WHO CAN MOW MY LAWN!?</a:t>
-            </a:r>
-            <a:endParaRPr lang="en-US" dirty="0"/>
-          </a:p>
-        </p:txBody>
-      </p:sp>
-    </p:spTree>
-    <p:extLst>
-      <p:ext uri="{BB962C8B-B14F-4D97-AF65-F5344CB8AC3E}">
-        <p14:creationId xmlns:p14="http://schemas.microsoft.com/office/powerpoint/2010/main" val="4191116888"/>
-      </p:ext>
-    </p:extLst>
-  </p:cSld>
-  <p:clrMapOvr>
-    <a:masterClrMapping/>
-  </p:clrMapOvr>
-</p:sld>
-</file>
-
-<file path=ppt/slides/slide3.xml><?xml version="1.0" encoding="utf-8"?>
-<p:sld xmlns:a="http://schemas.openxmlformats.org/drawingml/2006/main" xmlns:r="http://schemas.openxmlformats.org/officeDocument/2006/relationships" xmlns:p="http://schemas.openxmlformats.org/presentationml/2006/main">
-  <p:cSld>
-    <p:spTree>
-      <p:nvGrpSpPr>
-        <p:cNvPr id="1" name=""/>
-        <p:cNvGrpSpPr/>
-        <p:nvPr/>
-      </p:nvGrpSpPr>
-      <p:grpSpPr>
-        <a:xfrm>
-          <a:off x="0" y="0"/>
-          <a:ext cx="0" cy="0"/>
-          <a:chOff x="0" y="0"/>
-          <a:chExt cx="0" cy="0"/>
-        </a:xfrm>
-      </p:grpSpPr>
-      <p:sp>
-        <p:nvSpPr>
-          <p:cNvPr id="2" name="Title 1"/>
-          <p:cNvSpPr>
-            <a:spLocks noGrp="1"/>
-          </p:cNvSpPr>
-          <p:nvPr>
-            <p:ph type="title"/>
+              <a:rPr lang="en-US" dirty="0"/>
+              <a:t>Lawn Care and Maintenance Issues</a:t>
+            </a:r>
+          </a:p>
+        </p:txBody>
+      </p:sp>
+      <p:sp>
+        <p:nvSpPr>
+          <p:cNvPr id="3" name="Content Placeholder 2"/>
+          <p:cNvSpPr>
+            <a:spLocks noGrp="1"/>
+          </p:cNvSpPr>
+          <p:nvPr>
+            <p:ph sz="half" idx="1"/>
           </p:nvPr>
         </p:nvSpPr>
         <p:spPr/>
@@ -5998,85 +5961,62 @@
           <a:lstStyle/>
           <a:p>
             <a:r>
-              <a:rPr lang="en-US" dirty="0" smtClean="0"/>
-              <a:t>Lawn Care and Maintenance Issues</a:t>
-            </a:r>
-            <a:endParaRPr lang="en-US" dirty="0"/>
-          </a:p>
-        </p:txBody>
-      </p:sp>
-      <p:sp>
-        <p:nvSpPr>
-          <p:cNvPr id="3" name="Content Placeholder 2"/>
-          <p:cNvSpPr>
-            <a:spLocks noGrp="1"/>
-          </p:cNvSpPr>
-          <p:nvPr>
-            <p:ph sz="half" idx="1"/>
-          </p:nvPr>
-        </p:nvSpPr>
-        <p:spPr/>
-        <p:txBody>
-          <a:bodyPr/>
-          <a:lstStyle/>
-          <a:p>
-            <a:r>
-              <a:rPr lang="en-US" dirty="0" smtClean="0"/>
+              <a:rPr lang="en-US" dirty="0"/>
               <a:t>Customer</a:t>
             </a:r>
           </a:p>
           <a:p>
             <a:pPr lvl="1"/>
             <a:r>
-              <a:rPr lang="en-US" dirty="0" smtClean="0"/>
+              <a:rPr lang="en-US" dirty="0"/>
               <a:t>Not centralized</a:t>
             </a:r>
           </a:p>
           <a:p>
             <a:pPr lvl="1"/>
             <a:r>
-              <a:rPr lang="en-US" dirty="0" smtClean="0"/>
+              <a:rPr lang="en-US" dirty="0"/>
               <a:t>Not competitive</a:t>
             </a:r>
           </a:p>
           <a:p>
             <a:pPr lvl="1"/>
             <a:r>
-              <a:rPr lang="en-US" dirty="0" smtClean="0"/>
+              <a:rPr lang="en-US" dirty="0"/>
               <a:t>Quality Assurance</a:t>
             </a:r>
           </a:p>
           <a:p>
             <a:pPr lvl="1"/>
             <a:r>
-              <a:rPr lang="en-US" dirty="0" smtClean="0"/>
+              <a:rPr lang="en-US" dirty="0"/>
               <a:t>Price negotiation</a:t>
             </a:r>
           </a:p>
           <a:p>
             <a:r>
-              <a:rPr lang="en-US" dirty="0" smtClean="0"/>
+              <a:rPr lang="en-US" dirty="0"/>
               <a:t>Vendor</a:t>
             </a:r>
           </a:p>
           <a:p>
             <a:pPr lvl="1"/>
             <a:r>
-              <a:rPr lang="en-US" dirty="0" smtClean="0"/>
+              <a:rPr lang="en-US" dirty="0"/>
               <a:t>Poor outreach</a:t>
             </a:r>
           </a:p>
           <a:p>
             <a:pPr lvl="1"/>
             <a:r>
-              <a:rPr lang="en-US" dirty="0" smtClean="0"/>
+              <a:rPr lang="en-US" dirty="0"/>
               <a:t>Expensive marketing</a:t>
             </a:r>
           </a:p>
           <a:p>
             <a:pPr lvl="1"/>
             <a:r>
-              <a:rPr lang="en-US" dirty="0" smtClean="0"/>
+              <a:rPr lang="en-US" dirty="0"/>
               <a:t>Job locations</a:t>
             </a:r>
           </a:p>
@@ -6121,6 +6061,195 @@
 </p:sld>
 </file>
 
+<file path=ppt/slides/slide3.xml><?xml version="1.0" encoding="utf-8"?>
+<p:sld xmlns:a="http://schemas.openxmlformats.org/drawingml/2006/main" xmlns:r="http://schemas.openxmlformats.org/officeDocument/2006/relationships" xmlns:p="http://schemas.openxmlformats.org/presentationml/2006/main">
+  <p:cSld>
+    <p:spTree>
+      <p:nvGrpSpPr>
+        <p:cNvPr id="1" name=""/>
+        <p:cNvGrpSpPr/>
+        <p:nvPr/>
+      </p:nvGrpSpPr>
+      <p:grpSpPr>
+        <a:xfrm>
+          <a:off x="0" y="0"/>
+          <a:ext cx="0" cy="0"/>
+          <a:chOff x="0" y="0"/>
+          <a:chExt cx="0" cy="0"/>
+        </a:xfrm>
+      </p:grpSpPr>
+      <p:sp>
+        <p:nvSpPr>
+          <p:cNvPr id="2" name="Title 1"/>
+          <p:cNvSpPr>
+            <a:spLocks noGrp="1"/>
+          </p:cNvSpPr>
+          <p:nvPr>
+            <p:ph type="title"/>
+          </p:nvPr>
+        </p:nvSpPr>
+        <p:spPr/>
+        <p:txBody>
+          <a:bodyPr/>
+          <a:lstStyle/>
+          <a:p>
+            <a:r>
+              <a:rPr lang="en-US" dirty="0"/>
+              <a:t>Solution: </a:t>
+            </a:r>
+            <a:r>
+              <a:rPr lang="en-US" dirty="0" err="1"/>
+              <a:t>LawnBuddy</a:t>
+            </a:r>
+            <a:endParaRPr lang="en-US" dirty="0"/>
+          </a:p>
+        </p:txBody>
+      </p:sp>
+      <p:pic>
+        <p:nvPicPr>
+          <p:cNvPr id="7" name="Content Placeholder 6"/>
+          <p:cNvPicPr>
+            <a:picLocks noGrp="1" noChangeAspect="1"/>
+          </p:cNvPicPr>
+          <p:nvPr>
+            <p:ph sz="half" idx="2"/>
+          </p:nvPr>
+        </p:nvPicPr>
+        <p:blipFill>
+          <a:blip r:embed="rId2"/>
+          <a:stretch>
+            <a:fillRect/>
+          </a:stretch>
+        </p:blipFill>
+        <p:spPr>
+          <a:xfrm>
+            <a:off x="540146" y="2160983"/>
+            <a:ext cx="3657204" cy="3657204"/>
+          </a:xfrm>
+          <a:prstGeom prst="rect">
+            <a:avLst/>
+          </a:prstGeom>
+        </p:spPr>
+      </p:pic>
+      <p:sp>
+        <p:nvSpPr>
+          <p:cNvPr id="6" name="Content Placeholder 5"/>
+          <p:cNvSpPr>
+            <a:spLocks noGrp="1"/>
+          </p:cNvSpPr>
+          <p:nvPr>
+            <p:ph sz="quarter" idx="4"/>
+          </p:nvPr>
+        </p:nvSpPr>
+        <p:spPr>
+          <a:xfrm>
+            <a:off x="5088384" y="2160983"/>
+            <a:ext cx="4185617" cy="3880379"/>
+          </a:xfrm>
+        </p:spPr>
+        <p:txBody>
+          <a:bodyPr>
+            <a:normAutofit fontScale="85000" lnSpcReduction="20000"/>
+          </a:bodyPr>
+          <a:lstStyle/>
+          <a:p>
+            <a:r>
+              <a:rPr lang="en-US" dirty="0"/>
+              <a:t>Centralized database</a:t>
+            </a:r>
+          </a:p>
+          <a:p>
+            <a:r>
+              <a:rPr lang="en-US" dirty="0"/>
+              <a:t>Customers</a:t>
+            </a:r>
+          </a:p>
+          <a:p>
+            <a:pPr lvl="1"/>
+            <a:r>
+              <a:rPr lang="en-US" dirty="0"/>
+              <a:t>Upload </a:t>
+            </a:r>
+          </a:p>
+          <a:p>
+            <a:pPr lvl="1"/>
+            <a:r>
+              <a:rPr lang="en-US" dirty="0"/>
+              <a:t>Specialize their needs</a:t>
+            </a:r>
+          </a:p>
+          <a:p>
+            <a:pPr lvl="1"/>
+            <a:r>
+              <a:rPr lang="en-US" dirty="0"/>
+              <a:t>Find new vendors</a:t>
+            </a:r>
+          </a:p>
+          <a:p>
+            <a:pPr lvl="1"/>
+            <a:r>
+              <a:rPr lang="en-US" dirty="0"/>
+              <a:t>Confirm the job</a:t>
+            </a:r>
+          </a:p>
+          <a:p>
+            <a:pPr lvl="1"/>
+            <a:r>
+              <a:rPr lang="en-US" dirty="0"/>
+              <a:t>Review the job after completion</a:t>
+            </a:r>
+          </a:p>
+          <a:p>
+            <a:r>
+              <a:rPr lang="en-US" dirty="0"/>
+              <a:t>Vendors</a:t>
+            </a:r>
+          </a:p>
+          <a:p>
+            <a:pPr lvl="1"/>
+            <a:r>
+              <a:rPr lang="en-US" dirty="0"/>
+              <a:t>Bid on lawn prices per square foot</a:t>
+            </a:r>
+          </a:p>
+          <a:p>
+            <a:pPr lvl="1"/>
+            <a:r>
+              <a:rPr lang="en-US" dirty="0"/>
+              <a:t>Reach more customers</a:t>
+            </a:r>
+          </a:p>
+          <a:p>
+            <a:pPr lvl="1"/>
+            <a:r>
+              <a:rPr lang="en-US" dirty="0"/>
+              <a:t>Eliminates the need for marketing</a:t>
+            </a:r>
+          </a:p>
+          <a:p>
+            <a:r>
+              <a:rPr lang="en-US" dirty="0"/>
+              <a:t>Increases market competition, benefitting customers greatly</a:t>
+            </a:r>
+          </a:p>
+          <a:p>
+            <a:endParaRPr lang="en-US" dirty="0"/>
+          </a:p>
+        </p:txBody>
+      </p:sp>
+    </p:spTree>
+    <p:extLst>
+      <p:ext uri="{BB962C8B-B14F-4D97-AF65-F5344CB8AC3E}">
+        <p14:creationId xmlns:p14="http://schemas.microsoft.com/office/powerpoint/2010/main" val="1809914855"/>
+      </p:ext>
+    </p:extLst>
+  </p:cSld>
+  <p:clrMapOvr>
+    <a:masterClrMapping/>
+  </p:clrMapOvr>
+</p:sld>
+</file>
+
 <file path=ppt/slides/slide4.xml><?xml version="1.0" encoding="utf-8"?>
 <p:sld xmlns:a="http://schemas.openxmlformats.org/drawingml/2006/main" xmlns:r="http://schemas.openxmlformats.org/officeDocument/2006/relationships" xmlns:p="http://schemas.openxmlformats.org/presentationml/2006/main">
   <p:cSld>
@@ -6154,26 +6283,19 @@
           <a:lstStyle/>
           <a:p>
             <a:r>
-              <a:rPr lang="en-US" dirty="0" smtClean="0"/>
-              <a:t>Solution: </a:t>
-            </a:r>
-            <a:r>
-              <a:rPr lang="en-US" dirty="0" err="1" smtClean="0"/>
-              <a:t>LawnBuddy</a:t>
-            </a:r>
-            <a:endParaRPr lang="en-US" dirty="0"/>
+              <a:rPr lang="en-US" dirty="0"/>
+              <a:t>Technologies</a:t>
+            </a:r>
           </a:p>
         </p:txBody>
       </p:sp>
       <p:pic>
         <p:nvPicPr>
-          <p:cNvPr id="7" name="Content Placeholder 6"/>
+          <p:cNvPr id="4" name="Picture 3"/>
           <p:cNvPicPr>
-            <a:picLocks noGrp="1" noChangeAspect="1"/>
+            <a:picLocks noChangeAspect="1"/>
           </p:cNvPicPr>
-          <p:nvPr>
-            <p:ph sz="half" idx="2"/>
-          </p:nvPr>
+          <p:nvPr/>
         </p:nvPicPr>
         <p:blipFill>
           <a:blip r:embed="rId2"/>
@@ -6183,124 +6305,155 @@
         </p:blipFill>
         <p:spPr>
           <a:xfrm>
-            <a:off x="540146" y="2160983"/>
-            <a:ext cx="3657204" cy="3657204"/>
+            <a:off x="677334" y="1268228"/>
+            <a:ext cx="4483103" cy="3395783"/>
           </a:xfrm>
           <a:prstGeom prst="rect">
             <a:avLst/>
           </a:prstGeom>
         </p:spPr>
       </p:pic>
-      <p:sp>
-        <p:nvSpPr>
-          <p:cNvPr id="6" name="Content Placeholder 5"/>
-          <p:cNvSpPr>
-            <a:spLocks noGrp="1"/>
-          </p:cNvSpPr>
-          <p:nvPr>
-            <p:ph sz="quarter" idx="4"/>
-          </p:nvPr>
-        </p:nvSpPr>
+      <p:pic>
+        <p:nvPicPr>
+          <p:cNvPr id="7" name="Picture 6"/>
+          <p:cNvPicPr>
+            <a:picLocks noChangeAspect="1"/>
+          </p:cNvPicPr>
+          <p:nvPr/>
+        </p:nvPicPr>
+        <p:blipFill>
+          <a:blip r:embed="rId3"/>
+          <a:stretch>
+            <a:fillRect/>
+          </a:stretch>
+        </p:blipFill>
         <p:spPr>
           <a:xfrm>
-            <a:off x="5088384" y="2160983"/>
-            <a:ext cx="4185617" cy="3880379"/>
+            <a:off x="677334" y="4742143"/>
+            <a:ext cx="3915319" cy="1957660"/>
           </a:xfrm>
+          <a:prstGeom prst="rect">
+            <a:avLst/>
+          </a:prstGeom>
         </p:spPr>
-        <p:txBody>
-          <a:bodyPr>
-            <a:normAutofit fontScale="85000" lnSpcReduction="20000"/>
-          </a:bodyPr>
-          <a:lstStyle/>
-          <a:p>
-            <a:r>
-              <a:rPr lang="en-US" dirty="0" smtClean="0"/>
-              <a:t>Centralized database</a:t>
-            </a:r>
-          </a:p>
-          <a:p>
-            <a:r>
-              <a:rPr lang="en-US" dirty="0" smtClean="0"/>
-              <a:t>Customers</a:t>
-            </a:r>
-          </a:p>
-          <a:p>
-            <a:pPr lvl="1"/>
-            <a:r>
-              <a:rPr lang="en-US" dirty="0" smtClean="0"/>
-              <a:t>Upload </a:t>
-            </a:r>
-          </a:p>
-          <a:p>
-            <a:pPr lvl="1"/>
-            <a:r>
-              <a:rPr lang="en-US" dirty="0" smtClean="0"/>
-              <a:t>Specialize their needs</a:t>
-            </a:r>
-          </a:p>
-          <a:p>
-            <a:pPr lvl="1"/>
-            <a:r>
-              <a:rPr lang="en-US" dirty="0" smtClean="0"/>
-              <a:t>Find new vendors</a:t>
-            </a:r>
-          </a:p>
-          <a:p>
-            <a:pPr lvl="1"/>
-            <a:r>
-              <a:rPr lang="en-US" dirty="0" smtClean="0"/>
-              <a:t>Confirm the job</a:t>
-            </a:r>
-          </a:p>
-          <a:p>
-            <a:pPr lvl="1"/>
-            <a:r>
-              <a:rPr lang="en-US" dirty="0" smtClean="0"/>
-              <a:t>Review the job after completion</a:t>
-            </a:r>
-          </a:p>
-          <a:p>
-            <a:r>
-              <a:rPr lang="en-US" dirty="0" smtClean="0"/>
-              <a:t>Vendors</a:t>
-            </a:r>
-          </a:p>
-          <a:p>
-            <a:pPr lvl="1"/>
-            <a:r>
-              <a:rPr lang="en-US" dirty="0" smtClean="0"/>
-              <a:t>Bid on lawn prices per square foot</a:t>
-            </a:r>
-          </a:p>
-          <a:p>
-            <a:pPr lvl="1"/>
-            <a:r>
-              <a:rPr lang="en-US" dirty="0" smtClean="0"/>
-              <a:t>Reach more customers</a:t>
-            </a:r>
-          </a:p>
-          <a:p>
-            <a:pPr lvl="1"/>
-            <a:r>
-              <a:rPr lang="en-US" dirty="0" smtClean="0"/>
-              <a:t>Eliminates the need for marketing</a:t>
-            </a:r>
-          </a:p>
-          <a:p>
-            <a:r>
-              <a:rPr lang="en-US" dirty="0" smtClean="0"/>
-              <a:t>Increases market competition, benefitting customers greatly</a:t>
-            </a:r>
-          </a:p>
-          <a:p>
-            <a:endParaRPr lang="en-US" dirty="0" smtClean="0"/>
-          </a:p>
-        </p:txBody>
-      </p:sp>
+      </p:pic>
+      <p:pic>
+        <p:nvPicPr>
+          <p:cNvPr id="8" name="Picture 7"/>
+          <p:cNvPicPr>
+            <a:picLocks noChangeAspect="1"/>
+          </p:cNvPicPr>
+          <p:nvPr/>
+        </p:nvPicPr>
+        <p:blipFill>
+          <a:blip r:embed="rId4"/>
+          <a:stretch>
+            <a:fillRect/>
+          </a:stretch>
+        </p:blipFill>
+        <p:spPr>
+          <a:xfrm>
+            <a:off x="5930536" y="3109287"/>
+            <a:ext cx="1761989" cy="1761989"/>
+          </a:xfrm>
+          <a:prstGeom prst="rect">
+            <a:avLst/>
+          </a:prstGeom>
+        </p:spPr>
+      </p:pic>
+      <p:pic>
+        <p:nvPicPr>
+          <p:cNvPr id="9" name="Picture 8"/>
+          <p:cNvPicPr>
+            <a:picLocks noChangeAspect="1"/>
+          </p:cNvPicPr>
+          <p:nvPr/>
+        </p:nvPicPr>
+        <p:blipFill>
+          <a:blip r:embed="rId5"/>
+          <a:stretch>
+            <a:fillRect/>
+          </a:stretch>
+        </p:blipFill>
+        <p:spPr>
+          <a:xfrm>
+            <a:off x="5207138" y="4959544"/>
+            <a:ext cx="3208783" cy="1740259"/>
+          </a:xfrm>
+          <a:prstGeom prst="rect">
+            <a:avLst/>
+          </a:prstGeom>
+        </p:spPr>
+      </p:pic>
+      <p:pic>
+        <p:nvPicPr>
+          <p:cNvPr id="1026" name="Picture 2" descr="Image result for ajax programming"/>
+          <p:cNvPicPr>
+            <a:picLocks noChangeAspect="1" noChangeArrowheads="1"/>
+          </p:cNvPicPr>
+          <p:nvPr/>
+        </p:nvPicPr>
+        <p:blipFill>
+          <a:blip r:embed="rId6" cstate="print">
+            <a:extLst>
+              <a:ext uri="{28A0092B-C50C-407E-A947-70E740481C1C}">
+                <a14:useLocalDpi xmlns:a14="http://schemas.microsoft.com/office/drawing/2010/main" val="0"/>
+              </a:ext>
+            </a:extLst>
+          </a:blip>
+          <a:srcRect/>
+          <a:stretch>
+            <a:fillRect/>
+          </a:stretch>
+        </p:blipFill>
+        <p:spPr bwMode="auto">
+          <a:xfrm>
+            <a:off x="5215712" y="609600"/>
+            <a:ext cx="5330826" cy="2299616"/>
+          </a:xfrm>
+          <a:prstGeom prst="rect">
+            <a:avLst/>
+          </a:prstGeom>
+          <a:noFill/>
+          <a:extLst>
+            <a:ext uri="{909E8E84-426E-40DD-AFC4-6F175D3DCCD1}">
+              <a14:hiddenFill xmlns:a14="http://schemas.microsoft.com/office/drawing/2010/main">
+                <a:solidFill>
+                  <a:srgbClr val="FFFFFF"/>
+                </a:solidFill>
+              </a14:hiddenFill>
+            </a:ext>
+          </a:extLst>
+        </p:spPr>
+      </p:pic>
+      <p:pic>
+        <p:nvPicPr>
+          <p:cNvPr id="6" name="Picture 5"/>
+          <p:cNvPicPr>
+            <a:picLocks noChangeAspect="1"/>
+          </p:cNvPicPr>
+          <p:nvPr/>
+        </p:nvPicPr>
+        <p:blipFill>
+          <a:blip r:embed="rId7"/>
+          <a:stretch>
+            <a:fillRect/>
+          </a:stretch>
+        </p:blipFill>
+        <p:spPr>
+          <a:xfrm>
+            <a:off x="7981490" y="3364988"/>
+            <a:ext cx="3012576" cy="3012576"/>
+          </a:xfrm>
+          <a:prstGeom prst="rect">
+            <a:avLst/>
+          </a:prstGeom>
+        </p:spPr>
+      </p:pic>
     </p:spTree>
     <p:extLst>
       <p:ext uri="{BB962C8B-B14F-4D97-AF65-F5344CB8AC3E}">
-        <p14:creationId xmlns:p14="http://schemas.microsoft.com/office/powerpoint/2010/main" val="1809914855"/>
+        <p14:creationId xmlns:p14="http://schemas.microsoft.com/office/powerpoint/2010/main" val="2780295236"/>
       </p:ext>
     </p:extLst>
   </p:cSld>
@@ -6329,7 +6482,7 @@
       </p:grpSpPr>
       <p:sp>
         <p:nvSpPr>
-          <p:cNvPr id="2" name="Title 1"/>
+          <p:cNvPr id="3" name="Title 2"/>
           <p:cNvSpPr>
             <a:spLocks noGrp="1"/>
           </p:cNvSpPr>
@@ -6343,278 +6496,83 @@
           <a:lstStyle/>
           <a:p>
             <a:r>
-              <a:rPr lang="en-US" dirty="0" smtClean="0"/>
-              <a:t>Technologies</a:t>
-            </a:r>
+              <a:rPr lang="en-US" dirty="0"/>
+              <a:t>Development Process</a:t>
+            </a:r>
+          </a:p>
+        </p:txBody>
+      </p:sp>
+      <p:sp>
+        <p:nvSpPr>
+          <p:cNvPr id="5" name="Text Placeholder 4"/>
+          <p:cNvSpPr>
+            <a:spLocks noGrp="1"/>
+          </p:cNvSpPr>
+          <p:nvPr>
+            <p:ph type="body" idx="1"/>
+          </p:nvPr>
+        </p:nvSpPr>
+        <p:spPr/>
+        <p:txBody>
+          <a:bodyPr/>
+          <a:lstStyle/>
+          <a:p>
+            <a:r>
+              <a:rPr lang="en-US" sz="2800" b="1" u="sng" dirty="0"/>
+              <a:t>Development Overview</a:t>
+            </a:r>
+          </a:p>
+        </p:txBody>
+      </p:sp>
+      <p:sp>
+        <p:nvSpPr>
+          <p:cNvPr id="4" name="Content Placeholder 3"/>
+          <p:cNvSpPr>
+            <a:spLocks noGrp="1"/>
+          </p:cNvSpPr>
+          <p:nvPr>
+            <p:ph sz="half" idx="2"/>
+          </p:nvPr>
+        </p:nvSpPr>
+        <p:spPr/>
+        <p:txBody>
+          <a:bodyPr/>
+          <a:lstStyle/>
+          <a:p>
             <a:endParaRPr lang="en-US" dirty="0"/>
           </a:p>
-        </p:txBody>
-      </p:sp>
-      <p:pic>
-        <p:nvPicPr>
-          <p:cNvPr id="4" name="Picture 3"/>
-          <p:cNvPicPr>
-            <a:picLocks noChangeAspect="1"/>
-          </p:cNvPicPr>
-          <p:nvPr/>
-        </p:nvPicPr>
-        <p:blipFill>
-          <a:blip r:embed="rId2"/>
-          <a:stretch>
-            <a:fillRect/>
-          </a:stretch>
-        </p:blipFill>
-        <p:spPr>
-          <a:xfrm>
-            <a:off x="677334" y="1268228"/>
-            <a:ext cx="4483103" cy="3395783"/>
-          </a:xfrm>
-          <a:prstGeom prst="rect">
-            <a:avLst/>
-          </a:prstGeom>
-        </p:spPr>
-      </p:pic>
-      <p:pic>
-        <p:nvPicPr>
-          <p:cNvPr id="5" name="Picture 4"/>
-          <p:cNvPicPr>
-            <a:picLocks noChangeAspect="1"/>
-          </p:cNvPicPr>
-          <p:nvPr/>
-        </p:nvPicPr>
-        <p:blipFill>
-          <a:blip r:embed="rId3"/>
-          <a:stretch>
-            <a:fillRect/>
-          </a:stretch>
-        </p:blipFill>
-        <p:spPr>
-          <a:xfrm>
-            <a:off x="5530404" y="1381924"/>
-            <a:ext cx="2562254" cy="1281127"/>
-          </a:xfrm>
-          <a:prstGeom prst="rect">
-            <a:avLst/>
-          </a:prstGeom>
-        </p:spPr>
-      </p:pic>
-      <p:pic>
-        <p:nvPicPr>
-          <p:cNvPr id="7" name="Picture 6"/>
-          <p:cNvPicPr>
-            <a:picLocks noChangeAspect="1"/>
-          </p:cNvPicPr>
-          <p:nvPr/>
-        </p:nvPicPr>
-        <p:blipFill>
-          <a:blip r:embed="rId4"/>
-          <a:stretch>
-            <a:fillRect/>
-          </a:stretch>
-        </p:blipFill>
-        <p:spPr>
-          <a:xfrm>
-            <a:off x="677334" y="4742143"/>
-            <a:ext cx="3915319" cy="1957660"/>
-          </a:xfrm>
-          <a:prstGeom prst="rect">
-            <a:avLst/>
-          </a:prstGeom>
-        </p:spPr>
-      </p:pic>
-      <p:pic>
-        <p:nvPicPr>
-          <p:cNvPr id="8" name="Picture 7"/>
-          <p:cNvPicPr>
-            <a:picLocks noChangeAspect="1"/>
-          </p:cNvPicPr>
-          <p:nvPr/>
-        </p:nvPicPr>
-        <p:blipFill>
-          <a:blip r:embed="rId5"/>
-          <a:stretch>
-            <a:fillRect/>
-          </a:stretch>
-        </p:blipFill>
-        <p:spPr>
-          <a:xfrm>
-            <a:off x="5930536" y="3109287"/>
-            <a:ext cx="1761989" cy="1761989"/>
-          </a:xfrm>
-          <a:prstGeom prst="rect">
-            <a:avLst/>
-          </a:prstGeom>
-        </p:spPr>
-      </p:pic>
-      <p:pic>
-        <p:nvPicPr>
-          <p:cNvPr id="9" name="Picture 8"/>
-          <p:cNvPicPr>
-            <a:picLocks noChangeAspect="1"/>
-          </p:cNvPicPr>
-          <p:nvPr/>
-        </p:nvPicPr>
-        <p:blipFill>
-          <a:blip r:embed="rId6"/>
-          <a:stretch>
-            <a:fillRect/>
-          </a:stretch>
-        </p:blipFill>
-        <p:spPr>
-          <a:xfrm>
-            <a:off x="5207138" y="4959544"/>
-            <a:ext cx="3208783" cy="1740259"/>
-          </a:xfrm>
-          <a:prstGeom prst="rect">
-            <a:avLst/>
-          </a:prstGeom>
-        </p:spPr>
-      </p:pic>
-    </p:spTree>
-    <p:extLst>
-      <p:ext uri="{BB962C8B-B14F-4D97-AF65-F5344CB8AC3E}">
-        <p14:creationId xmlns:p14="http://schemas.microsoft.com/office/powerpoint/2010/main" val="2780295236"/>
-      </p:ext>
-    </p:extLst>
-  </p:cSld>
-  <p:clrMapOvr>
-    <a:masterClrMapping/>
-  </p:clrMapOvr>
-  <p:timing>
-    <p:tnLst>
-      <p:par>
-        <p:cTn id="1" dur="indefinite" restart="never" nodeType="tmRoot"/>
-      </p:par>
-    </p:tnLst>
-  </p:timing>
-</p:sld>
-</file>
-
-<file path=ppt/slides/slide6.xml><?xml version="1.0" encoding="utf-8"?>
-<p:sld xmlns:a="http://schemas.openxmlformats.org/drawingml/2006/main" xmlns:r="http://schemas.openxmlformats.org/officeDocument/2006/relationships" xmlns:p="http://schemas.openxmlformats.org/presentationml/2006/main">
-  <p:cSld>
-    <p:spTree>
-      <p:nvGrpSpPr>
-        <p:cNvPr id="1" name=""/>
-        <p:cNvGrpSpPr/>
-        <p:nvPr/>
-      </p:nvGrpSpPr>
-      <p:grpSpPr>
-        <a:xfrm>
-          <a:off x="0" y="0"/>
-          <a:ext cx="0" cy="0"/>
-          <a:chOff x="0" y="0"/>
-          <a:chExt cx="0" cy="0"/>
-        </a:xfrm>
-      </p:grpSpPr>
-      <p:sp>
-        <p:nvSpPr>
-          <p:cNvPr id="3" name="Title 2"/>
-          <p:cNvSpPr>
-            <a:spLocks noGrp="1"/>
-          </p:cNvSpPr>
-          <p:nvPr>
-            <p:ph type="title"/>
-          </p:nvPr>
-        </p:nvSpPr>
-        <p:spPr/>
-        <p:txBody>
-          <a:bodyPr/>
-          <a:lstStyle/>
-          <a:p>
-            <a:r>
-              <a:rPr lang="en-US" dirty="0" smtClean="0"/>
-              <a:t>Development Process</a:t>
-            </a:r>
-            <a:endParaRPr lang="en-US" dirty="0"/>
-          </a:p>
-        </p:txBody>
-      </p:sp>
-      <p:sp>
-        <p:nvSpPr>
-          <p:cNvPr id="5" name="Text Placeholder 4"/>
-          <p:cNvSpPr>
-            <a:spLocks noGrp="1"/>
-          </p:cNvSpPr>
-          <p:nvPr>
-            <p:ph type="body" idx="1"/>
-          </p:nvPr>
-        </p:nvSpPr>
-        <p:spPr/>
-        <p:txBody>
-          <a:bodyPr/>
-          <a:lstStyle/>
-          <a:p>
-            <a:r>
-              <a:rPr lang="en-US" sz="2800" b="1" u="sng" dirty="0" smtClean="0"/>
-              <a:t>Development Overview</a:t>
-            </a:r>
-            <a:endParaRPr lang="en-US" sz="2800" b="1" u="sng" dirty="0"/>
-          </a:p>
-        </p:txBody>
-      </p:sp>
-      <p:sp>
-        <p:nvSpPr>
-          <p:cNvPr id="4" name="Content Placeholder 3"/>
-          <p:cNvSpPr>
-            <a:spLocks noGrp="1"/>
-          </p:cNvSpPr>
-          <p:nvPr>
-            <p:ph sz="half" idx="2"/>
-          </p:nvPr>
-        </p:nvSpPr>
-        <p:spPr/>
-        <p:txBody>
-          <a:bodyPr/>
-          <a:lstStyle/>
-          <a:p>
-            <a:endParaRPr lang="en-US" dirty="0" smtClean="0"/>
-          </a:p>
-          <a:p>
-            <a:r>
-              <a:rPr lang="en-US" sz="2400" dirty="0" smtClean="0"/>
-              <a:t>Hours invested: </a:t>
-            </a:r>
-            <a:r>
-              <a:rPr lang="en-US" sz="2400" dirty="0" smtClean="0"/>
-              <a:t>~</a:t>
-            </a:r>
-            <a:r>
-              <a:rPr lang="en-US" sz="2400" dirty="0" smtClean="0"/>
-              <a:t>15</a:t>
-            </a:r>
-            <a:endParaRPr lang="en-US" sz="2400" dirty="0" smtClean="0"/>
+          <a:p>
+            <a:r>
+              <a:rPr lang="en-US" sz="2400" dirty="0"/>
+              <a:t>Hours invested: ~45</a:t>
+            </a:r>
           </a:p>
           <a:p>
             <a:pPr lvl="1"/>
             <a:r>
-              <a:rPr lang="en-US" sz="2000" dirty="0" smtClean="0"/>
-              <a:t>Technology research</a:t>
-            </a:r>
-          </a:p>
-          <a:p>
-            <a:r>
-              <a:rPr lang="en-US" sz="2400" dirty="0" smtClean="0"/>
+              <a:rPr lang="en-US" sz="2000" dirty="0"/>
+              <a:t>Substantial reading</a:t>
+            </a:r>
+          </a:p>
+          <a:p>
+            <a:pPr lvl="1"/>
+            <a:r>
+              <a:rPr lang="en-US" sz="2000" dirty="0"/>
+              <a:t>Testing</a:t>
+            </a:r>
+          </a:p>
+          <a:p>
+            <a:r>
+              <a:rPr lang="en-US" sz="2400" dirty="0"/>
               <a:t>Design Pattern</a:t>
             </a:r>
           </a:p>
           <a:p>
             <a:pPr lvl="1"/>
             <a:r>
-              <a:rPr lang="en-US" sz="2200" dirty="0" smtClean="0"/>
+              <a:rPr lang="en-US" sz="2200" dirty="0"/>
               <a:t>State</a:t>
             </a:r>
-          </a:p>
-          <a:p>
-            <a:pPr lvl="1"/>
-            <a:r>
-              <a:rPr lang="en-US" sz="2000" dirty="0" smtClean="0"/>
-              <a:t>Strategy</a:t>
-            </a:r>
-          </a:p>
-          <a:p>
-            <a:pPr lvl="1"/>
-            <a:endParaRPr lang="en-US" dirty="0" smtClean="0"/>
           </a:p>
         </p:txBody>
       </p:sp>
@@ -6639,10 +6597,9 @@
           <a:lstStyle/>
           <a:p>
             <a:r>
-              <a:rPr lang="en-US" sz="2800" b="1" u="sng" dirty="0" smtClean="0"/>
+              <a:rPr lang="en-US" sz="2800" b="1" u="sng" dirty="0"/>
               <a:t>Next Steps and Obstacles</a:t>
             </a:r>
-            <a:endParaRPr lang="en-US" sz="2800" b="1" u="sng" dirty="0"/>
           </a:p>
         </p:txBody>
       </p:sp>
@@ -6661,35 +6618,35 @@
           <a:bodyPr/>
           <a:lstStyle/>
           <a:p>
-            <a:endParaRPr lang="en-US" sz="2400" dirty="0" smtClean="0"/>
-          </a:p>
-          <a:p>
-            <a:r>
-              <a:rPr lang="en-US" sz="2400" dirty="0" smtClean="0"/>
-              <a:t>SQL database integration</a:t>
+            <a:endParaRPr lang="en-US" sz="2400" dirty="0"/>
+          </a:p>
+          <a:p>
+            <a:r>
+              <a:rPr lang="en-US" sz="2400" dirty="0"/>
+              <a:t>UI upgrades</a:t>
+            </a:r>
+          </a:p>
+          <a:p>
+            <a:r>
+              <a:rPr lang="en-US" sz="2400" dirty="0"/>
+              <a:t>Database algorithms</a:t>
+            </a:r>
+          </a:p>
+          <a:p>
+            <a:r>
+              <a:rPr lang="en-US" sz="2400" dirty="0"/>
+              <a:t>Multiplicity of roles</a:t>
             </a:r>
           </a:p>
           <a:p>
             <a:pPr lvl="1"/>
             <a:r>
-              <a:rPr lang="en-US" sz="2200" dirty="0" smtClean="0"/>
-              <a:t>Using Flask</a:t>
-            </a:r>
-          </a:p>
-          <a:p>
-            <a:r>
-              <a:rPr lang="en-US" sz="2400" dirty="0" smtClean="0"/>
-              <a:t>Vendor recommendation analysis</a:t>
-            </a:r>
-          </a:p>
-          <a:p>
-            <a:r>
-              <a:rPr lang="en-US" sz="2400" dirty="0" smtClean="0"/>
-              <a:t>Taiga.io for BA stuff</a:t>
-            </a:r>
-          </a:p>
-          <a:p>
-            <a:endParaRPr lang="en-US" dirty="0" smtClean="0"/>
+              <a:rPr lang="en-US" sz="2200" dirty="0"/>
+              <a:t>Vendors can act like clients; vice-versa</a:t>
+            </a:r>
+          </a:p>
+          <a:p>
+            <a:endParaRPr lang="en-US" dirty="0"/>
           </a:p>
           <a:p>
             <a:endParaRPr lang="en-US" dirty="0"/>
@@ -6706,17 +6663,10 @@
   <p:clrMapOvr>
     <a:masterClrMapping/>
   </p:clrMapOvr>
-  <p:timing>
-    <p:tnLst>
-      <p:par>
-        <p:cTn id="1" dur="indefinite" restart="never" nodeType="tmRoot"/>
-      </p:par>
-    </p:tnLst>
-  </p:timing>
 </p:sld>
 </file>
 
-<file path=ppt/slides/slide7.xml><?xml version="1.0" encoding="utf-8"?>
+<file path=ppt/slides/slide6.xml><?xml version="1.0" encoding="utf-8"?>
 <p:sld xmlns:a="http://schemas.openxmlformats.org/drawingml/2006/main" xmlns:r="http://schemas.openxmlformats.org/officeDocument/2006/relationships" xmlns:p="http://schemas.openxmlformats.org/presentationml/2006/main">
   <p:cSld>
     <p:spTree>
@@ -6767,17 +6717,10 @@
   <p:clrMapOvr>
     <a:masterClrMapping/>
   </p:clrMapOvr>
-  <p:timing>
-    <p:tnLst>
-      <p:par>
-        <p:cTn id="1" dur="indefinite" restart="never" nodeType="tmRoot"/>
-      </p:par>
-    </p:tnLst>
-  </p:timing>
 </p:sld>
 </file>
 
-<file path=ppt/slides/slide8.xml><?xml version="1.0" encoding="utf-8"?>
+<file path=ppt/slides/slide7.xml><?xml version="1.0" encoding="utf-8"?>
 <p:sld xmlns:a="http://schemas.openxmlformats.org/drawingml/2006/main" xmlns:r="http://schemas.openxmlformats.org/officeDocument/2006/relationships" xmlns:p="http://schemas.openxmlformats.org/presentationml/2006/main">
   <p:cSld>
     <p:spTree>
@@ -6810,29 +6753,9 @@
           <a:lstStyle/>
           <a:p>
             <a:r>
-              <a:rPr lang="en-US" dirty="0" smtClean="0"/>
+              <a:rPr lang="en-US" dirty="0"/>
               <a:t>DEMO</a:t>
             </a:r>
-            <a:endParaRPr lang="en-US" dirty="0"/>
-          </a:p>
-        </p:txBody>
-      </p:sp>
-      <p:sp>
-        <p:nvSpPr>
-          <p:cNvPr id="3" name="Text Placeholder 2"/>
-          <p:cNvSpPr>
-            <a:spLocks noGrp="1"/>
-          </p:cNvSpPr>
-          <p:nvPr>
-            <p:ph type="body" idx="1"/>
-          </p:nvPr>
-        </p:nvSpPr>
-        <p:spPr/>
-        <p:txBody>
-          <a:bodyPr/>
-          <a:lstStyle/>
-          <a:p>
-            <a:endParaRPr lang="en-US"/>
           </a:p>
         </p:txBody>
       </p:sp>
@@ -6846,13 +6769,6 @@
   <p:clrMapOvr>
     <a:masterClrMapping/>
   </p:clrMapOvr>
-  <p:timing>
-    <p:tnLst>
-      <p:par>
-        <p:cTn id="1" dur="indefinite" restart="never" nodeType="tmRoot"/>
-      </p:par>
-    </p:tnLst>
-  </p:timing>
 </p:sld>
 </file>
 
